--- a/quantumswitchv2.pptx
+++ b/quantumswitchv2.pptx
@@ -9,6 +9,7 @@
     <p:sldId id="257" r:id="rId3"/>
     <p:sldId id="258" r:id="rId4"/>
     <p:sldId id="259" r:id="rId5"/>
+    <p:sldId id="260" r:id="rId6"/>
   </p:sldIdLst>
   <p:sldSz cx="12192000" cy="6858000"/>
   <p:notesSz cx="6858000" cy="9144000"/>
@@ -107,6 +108,11 @@
       </a:defRPr>
     </a:lvl9pPr>
   </p:defaultTextStyle>
+  <p:extLst>
+    <p:ext uri="{EFAFB233-063F-42B5-8137-9DF3F51BA10A}">
+      <p15:sldGuideLst xmlns:p15="http://schemas.microsoft.com/office/powerpoint/2012/main"/>
+    </p:ext>
+  </p:extLst>
 </p:presentation>
 </file>
 
@@ -6953,6 +6959,178 @@
 </p:sld>
 </file>
 
+<file path=ppt/slides/slide5.xml><?xml version="1.0" encoding="utf-8"?>
+<p:sld xmlns:a="http://schemas.openxmlformats.org/drawingml/2006/main" xmlns:r="http://schemas.openxmlformats.org/officeDocument/2006/relationships" xmlns:p="http://schemas.openxmlformats.org/presentationml/2006/main">
+  <p:cSld>
+    <p:spTree>
+      <p:nvGrpSpPr>
+        <p:cNvPr id="1" name=""/>
+        <p:cNvGrpSpPr/>
+        <p:nvPr/>
+      </p:nvGrpSpPr>
+      <p:grpSpPr>
+        <a:xfrm>
+          <a:off x="0" y="0"/>
+          <a:ext cx="0" cy="0"/>
+          <a:chOff x="0" y="0"/>
+          <a:chExt cx="0" cy="0"/>
+        </a:xfrm>
+      </p:grpSpPr>
+      <p:sp>
+        <p:nvSpPr>
+          <p:cNvPr id="5" name="TextBox 4">
+            <a:extLst>
+              <a:ext uri="{FF2B5EF4-FFF2-40B4-BE49-F238E27FC236}">
+                <a16:creationId xmlns:a16="http://schemas.microsoft.com/office/drawing/2014/main" id="{F5E3C364-168B-5659-9D3D-F270548BE330}"/>
+              </a:ext>
+            </a:extLst>
+          </p:cNvPr>
+          <p:cNvSpPr txBox="1"/>
+          <p:nvPr/>
+        </p:nvSpPr>
+        <p:spPr>
+          <a:xfrm>
+            <a:off x="1572" y="4823869"/>
+            <a:ext cx="6094428" cy="646331"/>
+          </a:xfrm>
+          <a:prstGeom prst="rect">
+            <a:avLst/>
+          </a:prstGeom>
+          <a:noFill/>
+        </p:spPr>
+        <p:txBody>
+          <a:bodyPr wrap="square">
+            <a:spAutoFit/>
+          </a:bodyPr>
+          <a:lstStyle/>
+          <a:p>
+            <a:r>
+              <a:rPr lang="en-US" dirty="0">
+                <a:hlinkClick r:id="rId2"/>
+              </a:rPr>
+              <a:t>https://www.amazon.com/Pzsmocn-Connector-Terminal-Electronic-Project/dp/B0BY8W5H71/</a:t>
+            </a:r>
+            <a:r>
+              <a:rPr lang="en-US" dirty="0"/>
+              <a:t> </a:t>
+            </a:r>
+          </a:p>
+        </p:txBody>
+      </p:sp>
+      <p:pic>
+        <p:nvPicPr>
+          <p:cNvPr id="7" name="Picture 6">
+            <a:extLst>
+              <a:ext uri="{FF2B5EF4-FFF2-40B4-BE49-F238E27FC236}">
+                <a16:creationId xmlns:a16="http://schemas.microsoft.com/office/drawing/2014/main" id="{0DA2EFA6-1F8E-22C3-DA38-A0FF03C3B968}"/>
+              </a:ext>
+            </a:extLst>
+          </p:cNvPr>
+          <p:cNvPicPr>
+            <a:picLocks noChangeAspect="1"/>
+          </p:cNvPicPr>
+          <p:nvPr/>
+        </p:nvPicPr>
+        <p:blipFill>
+          <a:blip r:embed="rId3"/>
+          <a:stretch>
+            <a:fillRect/>
+          </a:stretch>
+        </p:blipFill>
+        <p:spPr>
+          <a:xfrm>
+            <a:off x="0" y="989814"/>
+            <a:ext cx="5986583" cy="3280527"/>
+          </a:xfrm>
+          <a:prstGeom prst="rect">
+            <a:avLst/>
+          </a:prstGeom>
+        </p:spPr>
+      </p:pic>
+      <p:sp>
+        <p:nvSpPr>
+          <p:cNvPr id="11" name="TextBox 10">
+            <a:extLst>
+              <a:ext uri="{FF2B5EF4-FFF2-40B4-BE49-F238E27FC236}">
+                <a16:creationId xmlns:a16="http://schemas.microsoft.com/office/drawing/2014/main" id="{8D0AA6C5-F998-8C9E-8EA8-D7251AEF436F}"/>
+              </a:ext>
+            </a:extLst>
+          </p:cNvPr>
+          <p:cNvSpPr txBox="1"/>
+          <p:nvPr/>
+        </p:nvSpPr>
+        <p:spPr>
+          <a:xfrm>
+            <a:off x="6096000" y="4823869"/>
+            <a:ext cx="6117996" cy="646331"/>
+          </a:xfrm>
+          <a:prstGeom prst="rect">
+            <a:avLst/>
+          </a:prstGeom>
+          <a:noFill/>
+        </p:spPr>
+        <p:txBody>
+          <a:bodyPr wrap="square">
+            <a:spAutoFit/>
+          </a:bodyPr>
+          <a:lstStyle/>
+          <a:p>
+            <a:r>
+              <a:rPr lang="en-US" dirty="0">
+                <a:hlinkClick r:id="rId4"/>
+              </a:rPr>
+              <a:t>https://www.amazon.com/uxcell-Connector-Ribbon-Female-Length/dp/B07FLRW1ZL/</a:t>
+            </a:r>
+            <a:r>
+              <a:rPr lang="en-US" dirty="0"/>
+              <a:t> </a:t>
+            </a:r>
+          </a:p>
+        </p:txBody>
+      </p:sp>
+      <p:pic>
+        <p:nvPicPr>
+          <p:cNvPr id="13" name="Picture 12">
+            <a:extLst>
+              <a:ext uri="{FF2B5EF4-FFF2-40B4-BE49-F238E27FC236}">
+                <a16:creationId xmlns:a16="http://schemas.microsoft.com/office/drawing/2014/main" id="{FD631579-A6D0-5801-F9A7-E8C3678B7A3C}"/>
+              </a:ext>
+            </a:extLst>
+          </p:cNvPr>
+          <p:cNvPicPr>
+            <a:picLocks noChangeAspect="1"/>
+          </p:cNvPicPr>
+          <p:nvPr/>
+        </p:nvPicPr>
+        <p:blipFill>
+          <a:blip r:embed="rId5"/>
+          <a:stretch>
+            <a:fillRect/>
+          </a:stretch>
+        </p:blipFill>
+        <p:spPr>
+          <a:xfrm>
+            <a:off x="6096001" y="781940"/>
+            <a:ext cx="5986584" cy="3214947"/>
+          </a:xfrm>
+          <a:prstGeom prst="rect">
+            <a:avLst/>
+          </a:prstGeom>
+        </p:spPr>
+      </p:pic>
+    </p:spTree>
+    <p:extLst>
+      <p:ext uri="{BB962C8B-B14F-4D97-AF65-F5344CB8AC3E}">
+        <p14:creationId xmlns:p14="http://schemas.microsoft.com/office/powerpoint/2010/main" val="764630847"/>
+      </p:ext>
+    </p:extLst>
+  </p:cSld>
+  <p:clrMapOvr>
+    <a:masterClrMapping/>
+  </p:clrMapOvr>
+</p:sld>
+</file>
+
 <file path=ppt/theme/theme1.xml><?xml version="1.0" encoding="utf-8"?>
 <a:theme xmlns:a="http://schemas.openxmlformats.org/drawingml/2006/main" name="Office Theme">
   <a:themeElements>

--- a/quantumswitchv2.pptx
+++ b/quantumswitchv2.pptx
@@ -10,6 +10,9 @@
     <p:sldId id="258" r:id="rId4"/>
     <p:sldId id="259" r:id="rId5"/>
     <p:sldId id="260" r:id="rId6"/>
+    <p:sldId id="262" r:id="rId7"/>
+    <p:sldId id="261" r:id="rId8"/>
+    <p:sldId id="263" r:id="rId9"/>
   </p:sldIdLst>
   <p:sldSz cx="12192000" cy="6858000"/>
   <p:notesSz cx="6858000" cy="9144000"/>
@@ -263,7 +266,7 @@
           <a:p>
             <a:fld id="{9C290927-91CE-40EB-8327-37D7FF970875}" type="datetimeFigureOut">
               <a:rPr lang="en-US" smtClean="0"/>
-              <a:t>11/6/2024</a:t>
+              <a:t>11/8/2024</a:t>
             </a:fld>
             <a:endParaRPr lang="en-US"/>
           </a:p>
@@ -461,7 +464,7 @@
           <a:p>
             <a:fld id="{9C290927-91CE-40EB-8327-37D7FF970875}" type="datetimeFigureOut">
               <a:rPr lang="en-US" smtClean="0"/>
-              <a:t>11/6/2024</a:t>
+              <a:t>11/8/2024</a:t>
             </a:fld>
             <a:endParaRPr lang="en-US"/>
           </a:p>
@@ -669,7 +672,7 @@
           <a:p>
             <a:fld id="{9C290927-91CE-40EB-8327-37D7FF970875}" type="datetimeFigureOut">
               <a:rPr lang="en-US" smtClean="0"/>
-              <a:t>11/6/2024</a:t>
+              <a:t>11/8/2024</a:t>
             </a:fld>
             <a:endParaRPr lang="en-US"/>
           </a:p>
@@ -867,7 +870,7 @@
           <a:p>
             <a:fld id="{9C290927-91CE-40EB-8327-37D7FF970875}" type="datetimeFigureOut">
               <a:rPr lang="en-US" smtClean="0"/>
-              <a:t>11/6/2024</a:t>
+              <a:t>11/8/2024</a:t>
             </a:fld>
             <a:endParaRPr lang="en-US"/>
           </a:p>
@@ -1142,7 +1145,7 @@
           <a:p>
             <a:fld id="{9C290927-91CE-40EB-8327-37D7FF970875}" type="datetimeFigureOut">
               <a:rPr lang="en-US" smtClean="0"/>
-              <a:t>11/6/2024</a:t>
+              <a:t>11/8/2024</a:t>
             </a:fld>
             <a:endParaRPr lang="en-US"/>
           </a:p>
@@ -1407,7 +1410,7 @@
           <a:p>
             <a:fld id="{9C290927-91CE-40EB-8327-37D7FF970875}" type="datetimeFigureOut">
               <a:rPr lang="en-US" smtClean="0"/>
-              <a:t>11/6/2024</a:t>
+              <a:t>11/8/2024</a:t>
             </a:fld>
             <a:endParaRPr lang="en-US"/>
           </a:p>
@@ -1819,7 +1822,7 @@
           <a:p>
             <a:fld id="{9C290927-91CE-40EB-8327-37D7FF970875}" type="datetimeFigureOut">
               <a:rPr lang="en-US" smtClean="0"/>
-              <a:t>11/6/2024</a:t>
+              <a:t>11/8/2024</a:t>
             </a:fld>
             <a:endParaRPr lang="en-US"/>
           </a:p>
@@ -1960,7 +1963,7 @@
           <a:p>
             <a:fld id="{9C290927-91CE-40EB-8327-37D7FF970875}" type="datetimeFigureOut">
               <a:rPr lang="en-US" smtClean="0"/>
-              <a:t>11/6/2024</a:t>
+              <a:t>11/8/2024</a:t>
             </a:fld>
             <a:endParaRPr lang="en-US"/>
           </a:p>
@@ -2073,7 +2076,7 @@
           <a:p>
             <a:fld id="{9C290927-91CE-40EB-8327-37D7FF970875}" type="datetimeFigureOut">
               <a:rPr lang="en-US" smtClean="0"/>
-              <a:t>11/6/2024</a:t>
+              <a:t>11/8/2024</a:t>
             </a:fld>
             <a:endParaRPr lang="en-US"/>
           </a:p>
@@ -2384,7 +2387,7 @@
           <a:p>
             <a:fld id="{9C290927-91CE-40EB-8327-37D7FF970875}" type="datetimeFigureOut">
               <a:rPr lang="en-US" smtClean="0"/>
-              <a:t>11/6/2024</a:t>
+              <a:t>11/8/2024</a:t>
             </a:fld>
             <a:endParaRPr lang="en-US"/>
           </a:p>
@@ -2672,7 +2675,7 @@
           <a:p>
             <a:fld id="{9C290927-91CE-40EB-8327-37D7FF970875}" type="datetimeFigureOut">
               <a:rPr lang="en-US" smtClean="0"/>
-              <a:t>11/6/2024</a:t>
+              <a:t>11/8/2024</a:t>
             </a:fld>
             <a:endParaRPr lang="en-US"/>
           </a:p>
@@ -2913,7 +2916,7 @@
           <a:p>
             <a:fld id="{9C290927-91CE-40EB-8327-37D7FF970875}" type="datetimeFigureOut">
               <a:rPr lang="en-US" smtClean="0"/>
-              <a:t>11/6/2024</a:t>
+              <a:t>11/8/2024</a:t>
             </a:fld>
             <a:endParaRPr lang="en-US"/>
           </a:p>
@@ -7131,6 +7134,294 @@
 </p:sld>
 </file>
 
+<file path=ppt/slides/slide6.xml><?xml version="1.0" encoding="utf-8"?>
+<p:sld xmlns:a="http://schemas.openxmlformats.org/drawingml/2006/main" xmlns:r="http://schemas.openxmlformats.org/officeDocument/2006/relationships" xmlns:p="http://schemas.openxmlformats.org/presentationml/2006/main">
+  <p:cSld>
+    <p:spTree>
+      <p:nvGrpSpPr>
+        <p:cNvPr id="1" name=""/>
+        <p:cNvGrpSpPr/>
+        <p:nvPr/>
+      </p:nvGrpSpPr>
+      <p:grpSpPr>
+        <a:xfrm>
+          <a:off x="0" y="0"/>
+          <a:ext cx="0" cy="0"/>
+          <a:chOff x="0" y="0"/>
+          <a:chExt cx="0" cy="0"/>
+        </a:xfrm>
+      </p:grpSpPr>
+      <p:sp>
+        <p:nvSpPr>
+          <p:cNvPr id="2" name="Title 1">
+            <a:extLst>
+              <a:ext uri="{FF2B5EF4-FFF2-40B4-BE49-F238E27FC236}">
+                <a16:creationId xmlns:a16="http://schemas.microsoft.com/office/drawing/2014/main" id="{4A78F957-93B2-108A-0DF5-6290A19B29A1}"/>
+              </a:ext>
+            </a:extLst>
+          </p:cNvPr>
+          <p:cNvSpPr>
+            <a:spLocks noGrp="1"/>
+          </p:cNvSpPr>
+          <p:nvPr>
+            <p:ph type="title"/>
+          </p:nvPr>
+        </p:nvSpPr>
+        <p:spPr/>
+        <p:txBody>
+          <a:bodyPr/>
+          <a:lstStyle/>
+          <a:p>
+            <a:r>
+              <a:rPr lang="en-US" dirty="0"/>
+              <a:t>DB25-relay-HV-control</a:t>
+            </a:r>
+          </a:p>
+        </p:txBody>
+      </p:sp>
+      <p:pic>
+        <p:nvPicPr>
+          <p:cNvPr id="5" name="Picture 4">
+            <a:extLst>
+              <a:ext uri="{FF2B5EF4-FFF2-40B4-BE49-F238E27FC236}">
+                <a16:creationId xmlns:a16="http://schemas.microsoft.com/office/drawing/2014/main" id="{2DE0C58B-63CA-EE88-AD10-8C60AC57464F}"/>
+              </a:ext>
+            </a:extLst>
+          </p:cNvPr>
+          <p:cNvPicPr>
+            <a:picLocks noChangeAspect="1"/>
+          </p:cNvPicPr>
+          <p:nvPr/>
+        </p:nvPicPr>
+        <p:blipFill>
+          <a:blip r:embed="rId2"/>
+          <a:stretch>
+            <a:fillRect/>
+          </a:stretch>
+        </p:blipFill>
+        <p:spPr>
+          <a:xfrm>
+            <a:off x="741035" y="2183363"/>
+            <a:ext cx="4415427" cy="4014612"/>
+          </a:xfrm>
+          <a:prstGeom prst="rect">
+            <a:avLst/>
+          </a:prstGeom>
+        </p:spPr>
+      </p:pic>
+      <p:pic>
+        <p:nvPicPr>
+          <p:cNvPr id="7" name="Picture 6">
+            <a:extLst>
+              <a:ext uri="{FF2B5EF4-FFF2-40B4-BE49-F238E27FC236}">
+                <a16:creationId xmlns:a16="http://schemas.microsoft.com/office/drawing/2014/main" id="{FAA2BC2E-824C-E581-6291-98B2B6997750}"/>
+              </a:ext>
+            </a:extLst>
+          </p:cNvPr>
+          <p:cNvPicPr>
+            <a:picLocks noChangeAspect="1"/>
+          </p:cNvPicPr>
+          <p:nvPr/>
+        </p:nvPicPr>
+        <p:blipFill>
+          <a:blip r:embed="rId3"/>
+          <a:stretch>
+            <a:fillRect/>
+          </a:stretch>
+        </p:blipFill>
+        <p:spPr>
+          <a:xfrm>
+            <a:off x="6683849" y="2083103"/>
+            <a:ext cx="4512592" cy="4114872"/>
+          </a:xfrm>
+          <a:prstGeom prst="rect">
+            <a:avLst/>
+          </a:prstGeom>
+        </p:spPr>
+      </p:pic>
+    </p:spTree>
+    <p:extLst>
+      <p:ext uri="{BB962C8B-B14F-4D97-AF65-F5344CB8AC3E}">
+        <p14:creationId xmlns:p14="http://schemas.microsoft.com/office/powerpoint/2010/main" val="4218068252"/>
+      </p:ext>
+    </p:extLst>
+  </p:cSld>
+  <p:clrMapOvr>
+    <a:masterClrMapping/>
+  </p:clrMapOvr>
+</p:sld>
+</file>
+
+<file path=ppt/slides/slide7.xml><?xml version="1.0" encoding="utf-8"?>
+<p:sld xmlns:a="http://schemas.openxmlformats.org/drawingml/2006/main" xmlns:r="http://schemas.openxmlformats.org/officeDocument/2006/relationships" xmlns:p="http://schemas.openxmlformats.org/presentationml/2006/main">
+  <p:cSld>
+    <p:spTree>
+      <p:nvGrpSpPr>
+        <p:cNvPr id="1" name=""/>
+        <p:cNvGrpSpPr/>
+        <p:nvPr/>
+      </p:nvGrpSpPr>
+      <p:grpSpPr>
+        <a:xfrm>
+          <a:off x="0" y="0"/>
+          <a:ext cx="0" cy="0"/>
+          <a:chOff x="0" y="0"/>
+          <a:chExt cx="0" cy="0"/>
+        </a:xfrm>
+      </p:grpSpPr>
+      <p:pic>
+        <p:nvPicPr>
+          <p:cNvPr id="5" name="Picture 4">
+            <a:extLst>
+              <a:ext uri="{FF2B5EF4-FFF2-40B4-BE49-F238E27FC236}">
+                <a16:creationId xmlns:a16="http://schemas.microsoft.com/office/drawing/2014/main" id="{1BB2F93D-BB54-6247-1AD8-23A4F4E70852}"/>
+              </a:ext>
+            </a:extLst>
+          </p:cNvPr>
+          <p:cNvPicPr>
+            <a:picLocks noChangeAspect="1"/>
+          </p:cNvPicPr>
+          <p:nvPr/>
+        </p:nvPicPr>
+        <p:blipFill>
+          <a:blip r:embed="rId2"/>
+          <a:stretch>
+            <a:fillRect/>
+          </a:stretch>
+        </p:blipFill>
+        <p:spPr>
+          <a:xfrm>
+            <a:off x="481566" y="1642269"/>
+            <a:ext cx="6215566" cy="3225800"/>
+          </a:xfrm>
+          <a:prstGeom prst="rect">
+            <a:avLst/>
+          </a:prstGeom>
+        </p:spPr>
+      </p:pic>
+      <p:pic>
+        <p:nvPicPr>
+          <p:cNvPr id="7" name="Picture 6">
+            <a:extLst>
+              <a:ext uri="{FF2B5EF4-FFF2-40B4-BE49-F238E27FC236}">
+                <a16:creationId xmlns:a16="http://schemas.microsoft.com/office/drawing/2014/main" id="{BB88B75E-5259-4ED5-0AF8-1B6B778ED506}"/>
+              </a:ext>
+            </a:extLst>
+          </p:cNvPr>
+          <p:cNvPicPr>
+            <a:picLocks noChangeAspect="1"/>
+          </p:cNvPicPr>
+          <p:nvPr/>
+        </p:nvPicPr>
+        <p:blipFill>
+          <a:blip r:embed="rId3"/>
+          <a:stretch>
+            <a:fillRect/>
+          </a:stretch>
+        </p:blipFill>
+        <p:spPr>
+          <a:xfrm rot="16200000">
+            <a:off x="7365126" y="1023193"/>
+            <a:ext cx="3894668" cy="4954800"/>
+          </a:xfrm>
+          <a:prstGeom prst="rect">
+            <a:avLst/>
+          </a:prstGeom>
+        </p:spPr>
+      </p:pic>
+    </p:spTree>
+    <p:extLst>
+      <p:ext uri="{BB962C8B-B14F-4D97-AF65-F5344CB8AC3E}">
+        <p14:creationId xmlns:p14="http://schemas.microsoft.com/office/powerpoint/2010/main" val="871441554"/>
+      </p:ext>
+    </p:extLst>
+  </p:cSld>
+  <p:clrMapOvr>
+    <a:masterClrMapping/>
+  </p:clrMapOvr>
+</p:sld>
+</file>
+
+<file path=ppt/slides/slide8.xml><?xml version="1.0" encoding="utf-8"?>
+<p:sld xmlns:a="http://schemas.openxmlformats.org/drawingml/2006/main" xmlns:r="http://schemas.openxmlformats.org/officeDocument/2006/relationships" xmlns:p="http://schemas.openxmlformats.org/presentationml/2006/main">
+  <p:cSld>
+    <p:spTree>
+      <p:nvGrpSpPr>
+        <p:cNvPr id="1" name=""/>
+        <p:cNvGrpSpPr/>
+        <p:nvPr/>
+      </p:nvGrpSpPr>
+      <p:grpSpPr>
+        <a:xfrm>
+          <a:off x="0" y="0"/>
+          <a:ext cx="0" cy="0"/>
+          <a:chOff x="0" y="0"/>
+          <a:chExt cx="0" cy="0"/>
+        </a:xfrm>
+      </p:grpSpPr>
+      <p:sp>
+        <p:nvSpPr>
+          <p:cNvPr id="2" name="Title 1">
+            <a:extLst>
+              <a:ext uri="{FF2B5EF4-FFF2-40B4-BE49-F238E27FC236}">
+                <a16:creationId xmlns:a16="http://schemas.microsoft.com/office/drawing/2014/main" id="{D50BA3AB-D6F0-30A7-C4C0-C5E9EC6E24C6}"/>
+              </a:ext>
+            </a:extLst>
+          </p:cNvPr>
+          <p:cNvSpPr>
+            <a:spLocks noGrp="1"/>
+          </p:cNvSpPr>
+          <p:nvPr>
+            <p:ph type="title"/>
+          </p:nvPr>
+        </p:nvSpPr>
+        <p:spPr/>
+        <p:txBody>
+          <a:bodyPr/>
+          <a:lstStyle/>
+          <a:p>
+            <a:endParaRPr lang="en-US"/>
+          </a:p>
+        </p:txBody>
+      </p:sp>
+      <p:sp>
+        <p:nvSpPr>
+          <p:cNvPr id="3" name="Content Placeholder 2">
+            <a:extLst>
+              <a:ext uri="{FF2B5EF4-FFF2-40B4-BE49-F238E27FC236}">
+                <a16:creationId xmlns:a16="http://schemas.microsoft.com/office/drawing/2014/main" id="{F5C90F4D-2652-A811-ED6A-6365C3465D3E}"/>
+              </a:ext>
+            </a:extLst>
+          </p:cNvPr>
+          <p:cNvSpPr>
+            <a:spLocks noGrp="1"/>
+          </p:cNvSpPr>
+          <p:nvPr>
+            <p:ph idx="1"/>
+          </p:nvPr>
+        </p:nvSpPr>
+        <p:spPr/>
+        <p:txBody>
+          <a:bodyPr/>
+          <a:lstStyle/>
+          <a:p>
+            <a:endParaRPr lang="en-US"/>
+          </a:p>
+        </p:txBody>
+      </p:sp>
+    </p:spTree>
+    <p:extLst>
+      <p:ext uri="{BB962C8B-B14F-4D97-AF65-F5344CB8AC3E}">
+        <p14:creationId xmlns:p14="http://schemas.microsoft.com/office/powerpoint/2010/main" val="3859181924"/>
+      </p:ext>
+    </p:extLst>
+  </p:cSld>
+  <p:clrMapOvr>
+    <a:masterClrMapping/>
+  </p:clrMapOvr>
+</p:sld>
+</file>
+
 <file path=ppt/theme/theme1.xml><?xml version="1.0" encoding="utf-8"?>
 <a:theme xmlns:a="http://schemas.openxmlformats.org/drawingml/2006/main" name="Office Theme">
   <a:themeElements>

--- a/quantumswitchv2.pptx
+++ b/quantumswitchv2.pptx
@@ -13,6 +13,7 @@
     <p:sldId id="262" r:id="rId7"/>
     <p:sldId id="261" r:id="rId8"/>
     <p:sldId id="263" r:id="rId9"/>
+    <p:sldId id="264" r:id="rId10"/>
   </p:sldIdLst>
   <p:sldSz cx="12192000" cy="6858000"/>
   <p:notesSz cx="6858000" cy="9144000"/>
@@ -7181,10 +7182,10 @@
       </p:sp>
       <p:pic>
         <p:nvPicPr>
-          <p:cNvPr id="5" name="Picture 4">
-            <a:extLst>
-              <a:ext uri="{FF2B5EF4-FFF2-40B4-BE49-F238E27FC236}">
-                <a16:creationId xmlns:a16="http://schemas.microsoft.com/office/drawing/2014/main" id="{2DE0C58B-63CA-EE88-AD10-8C60AC57464F}"/>
+          <p:cNvPr id="8" name="Picture 7">
+            <a:extLst>
+              <a:ext uri="{FF2B5EF4-FFF2-40B4-BE49-F238E27FC236}">
+                <a16:creationId xmlns:a16="http://schemas.microsoft.com/office/drawing/2014/main" id="{A5942DA0-BE97-C50B-D611-9E256886ADA8}"/>
               </a:ext>
             </a:extLst>
           </p:cNvPr>
@@ -7201,8 +7202,8 @@
         </p:blipFill>
         <p:spPr>
           <a:xfrm>
-            <a:off x="741035" y="2183363"/>
-            <a:ext cx="4415427" cy="4014612"/>
+            <a:off x="386815" y="1840485"/>
+            <a:ext cx="5329935" cy="4688902"/>
           </a:xfrm>
           <a:prstGeom prst="rect">
             <a:avLst/>
@@ -7211,10 +7212,10 @@
       </p:pic>
       <p:pic>
         <p:nvPicPr>
-          <p:cNvPr id="7" name="Picture 6">
-            <a:extLst>
-              <a:ext uri="{FF2B5EF4-FFF2-40B4-BE49-F238E27FC236}">
-                <a16:creationId xmlns:a16="http://schemas.microsoft.com/office/drawing/2014/main" id="{FAA2BC2E-824C-E581-6291-98B2B6997750}"/>
+          <p:cNvPr id="10" name="Picture 9">
+            <a:extLst>
+              <a:ext uri="{FF2B5EF4-FFF2-40B4-BE49-F238E27FC236}">
+                <a16:creationId xmlns:a16="http://schemas.microsoft.com/office/drawing/2014/main" id="{62723D37-D9B4-DBE3-AAE4-EE7BD6207756}"/>
               </a:ext>
             </a:extLst>
           </p:cNvPr>
@@ -7231,8 +7232,8 @@
         </p:blipFill>
         <p:spPr>
           <a:xfrm>
-            <a:off x="6683849" y="2083103"/>
-            <a:ext cx="4512592" cy="4114872"/>
+            <a:off x="6384010" y="1772591"/>
+            <a:ext cx="5238693" cy="4756796"/>
           </a:xfrm>
           <a:prstGeom prst="rect">
             <a:avLst/>
@@ -7359,60 +7360,100 @@
           <a:chExt cx="0" cy="0"/>
         </a:xfrm>
       </p:grpSpPr>
-      <p:sp>
-        <p:nvSpPr>
-          <p:cNvPr id="2" name="Title 1">
-            <a:extLst>
-              <a:ext uri="{FF2B5EF4-FFF2-40B4-BE49-F238E27FC236}">
-                <a16:creationId xmlns:a16="http://schemas.microsoft.com/office/drawing/2014/main" id="{D50BA3AB-D6F0-30A7-C4C0-C5E9EC6E24C6}"/>
-              </a:ext>
-            </a:extLst>
-          </p:cNvPr>
-          <p:cNvSpPr>
-            <a:spLocks noGrp="1"/>
-          </p:cNvSpPr>
-          <p:nvPr>
-            <p:ph type="title"/>
-          </p:nvPr>
-        </p:nvSpPr>
-        <p:spPr/>
-        <p:txBody>
-          <a:bodyPr/>
-          <a:lstStyle/>
-          <a:p>
-            <a:endParaRPr lang="en-US"/>
-          </a:p>
-        </p:txBody>
-      </p:sp>
-      <p:sp>
-        <p:nvSpPr>
-          <p:cNvPr id="3" name="Content Placeholder 2">
-            <a:extLst>
-              <a:ext uri="{FF2B5EF4-FFF2-40B4-BE49-F238E27FC236}">
-                <a16:creationId xmlns:a16="http://schemas.microsoft.com/office/drawing/2014/main" id="{F5C90F4D-2652-A811-ED6A-6365C3465D3E}"/>
-              </a:ext>
-            </a:extLst>
-          </p:cNvPr>
-          <p:cNvSpPr>
-            <a:spLocks noGrp="1"/>
-          </p:cNvSpPr>
-          <p:nvPr>
-            <p:ph idx="1"/>
-          </p:nvPr>
-        </p:nvSpPr>
-        <p:spPr/>
-        <p:txBody>
-          <a:bodyPr/>
-          <a:lstStyle/>
-          <a:p>
-            <a:endParaRPr lang="en-US"/>
-          </a:p>
-        </p:txBody>
-      </p:sp>
+      <p:pic>
+        <p:nvPicPr>
+          <p:cNvPr id="7" name="Picture 6">
+            <a:extLst>
+              <a:ext uri="{FF2B5EF4-FFF2-40B4-BE49-F238E27FC236}">
+                <a16:creationId xmlns:a16="http://schemas.microsoft.com/office/drawing/2014/main" id="{EDA406E9-D7EE-ADEF-0328-D66ACB1C7D80}"/>
+              </a:ext>
+            </a:extLst>
+          </p:cNvPr>
+          <p:cNvPicPr>
+            <a:picLocks noChangeAspect="1"/>
+          </p:cNvPicPr>
+          <p:nvPr/>
+        </p:nvPicPr>
+        <p:blipFill>
+          <a:blip r:embed="rId2"/>
+          <a:stretch>
+            <a:fillRect/>
+          </a:stretch>
+        </p:blipFill>
+        <p:spPr>
+          <a:xfrm>
+            <a:off x="2137282" y="1246302"/>
+            <a:ext cx="8124825" cy="4648200"/>
+          </a:xfrm>
+          <a:prstGeom prst="rect">
+            <a:avLst/>
+          </a:prstGeom>
+        </p:spPr>
+      </p:pic>
     </p:spTree>
     <p:extLst>
       <p:ext uri="{BB962C8B-B14F-4D97-AF65-F5344CB8AC3E}">
         <p14:creationId xmlns:p14="http://schemas.microsoft.com/office/powerpoint/2010/main" val="3859181924"/>
+      </p:ext>
+    </p:extLst>
+  </p:cSld>
+  <p:clrMapOvr>
+    <a:masterClrMapping/>
+  </p:clrMapOvr>
+</p:sld>
+</file>
+
+<file path=ppt/slides/slide9.xml><?xml version="1.0" encoding="utf-8"?>
+<p:sld xmlns:a="http://schemas.openxmlformats.org/drawingml/2006/main" xmlns:r="http://schemas.openxmlformats.org/officeDocument/2006/relationships" xmlns:p="http://schemas.openxmlformats.org/presentationml/2006/main">
+  <p:cSld>
+    <p:spTree>
+      <p:nvGrpSpPr>
+        <p:cNvPr id="1" name=""/>
+        <p:cNvGrpSpPr/>
+        <p:nvPr/>
+      </p:nvGrpSpPr>
+      <p:grpSpPr>
+        <a:xfrm>
+          <a:off x="0" y="0"/>
+          <a:ext cx="0" cy="0"/>
+          <a:chOff x="0" y="0"/>
+          <a:chExt cx="0" cy="0"/>
+        </a:xfrm>
+      </p:grpSpPr>
+      <p:pic>
+        <p:nvPicPr>
+          <p:cNvPr id="5" name="Picture 4">
+            <a:extLst>
+              <a:ext uri="{FF2B5EF4-FFF2-40B4-BE49-F238E27FC236}">
+                <a16:creationId xmlns:a16="http://schemas.microsoft.com/office/drawing/2014/main" id="{33C78579-D1F6-04EA-EFED-DDC3761C729C}"/>
+              </a:ext>
+            </a:extLst>
+          </p:cNvPr>
+          <p:cNvPicPr>
+            <a:picLocks noChangeAspect="1"/>
+          </p:cNvPicPr>
+          <p:nvPr/>
+        </p:nvPicPr>
+        <p:blipFill>
+          <a:blip r:embed="rId2"/>
+          <a:stretch>
+            <a:fillRect/>
+          </a:stretch>
+        </p:blipFill>
+        <p:spPr>
+          <a:xfrm>
+            <a:off x="904875" y="1743075"/>
+            <a:ext cx="10382250" cy="3371850"/>
+          </a:xfrm>
+          <a:prstGeom prst="rect">
+            <a:avLst/>
+          </a:prstGeom>
+        </p:spPr>
+      </p:pic>
+    </p:spTree>
+    <p:extLst>
+      <p:ext uri="{BB962C8B-B14F-4D97-AF65-F5344CB8AC3E}">
+        <p14:creationId xmlns:p14="http://schemas.microsoft.com/office/powerpoint/2010/main" val="827264353"/>
       </p:ext>
     </p:extLst>
   </p:cSld>

--- a/quantumswitchv2.pptx
+++ b/quantumswitchv2.pptx
@@ -11,9 +11,10 @@
     <p:sldId id="259" r:id="rId5"/>
     <p:sldId id="260" r:id="rId6"/>
     <p:sldId id="262" r:id="rId7"/>
-    <p:sldId id="261" r:id="rId8"/>
-    <p:sldId id="263" r:id="rId9"/>
-    <p:sldId id="264" r:id="rId10"/>
+    <p:sldId id="265" r:id="rId8"/>
+    <p:sldId id="266" r:id="rId9"/>
+    <p:sldId id="263" r:id="rId10"/>
+    <p:sldId id="264" r:id="rId11"/>
   </p:sldIdLst>
   <p:sldSz cx="12192000" cy="6858000"/>
   <p:notesSz cx="6858000" cy="9144000"/>
@@ -3417,6 +3418,65 @@
 </p:sld>
 </file>
 
+<file path=ppt/slides/slide10.xml><?xml version="1.0" encoding="utf-8"?>
+<p:sld xmlns:a="http://schemas.openxmlformats.org/drawingml/2006/main" xmlns:r="http://schemas.openxmlformats.org/officeDocument/2006/relationships" xmlns:p="http://schemas.openxmlformats.org/presentationml/2006/main">
+  <p:cSld>
+    <p:spTree>
+      <p:nvGrpSpPr>
+        <p:cNvPr id="1" name=""/>
+        <p:cNvGrpSpPr/>
+        <p:nvPr/>
+      </p:nvGrpSpPr>
+      <p:grpSpPr>
+        <a:xfrm>
+          <a:off x="0" y="0"/>
+          <a:ext cx="0" cy="0"/>
+          <a:chOff x="0" y="0"/>
+          <a:chExt cx="0" cy="0"/>
+        </a:xfrm>
+      </p:grpSpPr>
+      <p:pic>
+        <p:nvPicPr>
+          <p:cNvPr id="5" name="Picture 4">
+            <a:extLst>
+              <a:ext uri="{FF2B5EF4-FFF2-40B4-BE49-F238E27FC236}">
+                <a16:creationId xmlns:a16="http://schemas.microsoft.com/office/drawing/2014/main" id="{33C78579-D1F6-04EA-EFED-DDC3761C729C}"/>
+              </a:ext>
+            </a:extLst>
+          </p:cNvPr>
+          <p:cNvPicPr>
+            <a:picLocks noChangeAspect="1"/>
+          </p:cNvPicPr>
+          <p:nvPr/>
+        </p:nvPicPr>
+        <p:blipFill rotWithShape="1">
+          <a:blip r:embed="rId2"/>
+          <a:srcRect l="4674" t="6805" r="2151" b="8223"/>
+          <a:stretch/>
+        </p:blipFill>
+        <p:spPr>
+          <a:xfrm>
+            <a:off x="175966" y="1338606"/>
+            <a:ext cx="11840067" cy="3506771"/>
+          </a:xfrm>
+          <a:prstGeom prst="rect">
+            <a:avLst/>
+          </a:prstGeom>
+        </p:spPr>
+      </p:pic>
+    </p:spTree>
+    <p:extLst>
+      <p:ext uri="{BB962C8B-B14F-4D97-AF65-F5344CB8AC3E}">
+        <p14:creationId xmlns:p14="http://schemas.microsoft.com/office/powerpoint/2010/main" val="827264353"/>
+      </p:ext>
+    </p:extLst>
+  </p:cSld>
+  <p:clrMapOvr>
+    <a:masterClrMapping/>
+  </p:clrMapOvr>
+</p:sld>
+</file>
+
 <file path=ppt/slides/slide2.xml><?xml version="1.0" encoding="utf-8"?>
 <p:sld xmlns:a="http://schemas.openxmlformats.org/drawingml/2006/main" xmlns:r="http://schemas.openxmlformats.org/officeDocument/2006/relationships" xmlns:p="http://schemas.openxmlformats.org/presentationml/2006/main">
   <p:cSld>
@@ -7275,7 +7335,7 @@
           <p:cNvPr id="5" name="Picture 4">
             <a:extLst>
               <a:ext uri="{FF2B5EF4-FFF2-40B4-BE49-F238E27FC236}">
-                <a16:creationId xmlns:a16="http://schemas.microsoft.com/office/drawing/2014/main" id="{1BB2F93D-BB54-6247-1AD8-23A4F4E70852}"/>
+                <a16:creationId xmlns:a16="http://schemas.microsoft.com/office/drawing/2014/main" id="{118521DD-33EC-7F7D-4789-BE7BC08E87CC}"/>
               </a:ext>
             </a:extLst>
           </p:cNvPr>
@@ -7292,38 +7352,8 @@
         </p:blipFill>
         <p:spPr>
           <a:xfrm>
-            <a:off x="481566" y="1642269"/>
-            <a:ext cx="6215566" cy="3225800"/>
-          </a:xfrm>
-          <a:prstGeom prst="rect">
-            <a:avLst/>
-          </a:prstGeom>
-        </p:spPr>
-      </p:pic>
-      <p:pic>
-        <p:nvPicPr>
-          <p:cNvPr id="7" name="Picture 6">
-            <a:extLst>
-              <a:ext uri="{FF2B5EF4-FFF2-40B4-BE49-F238E27FC236}">
-                <a16:creationId xmlns:a16="http://schemas.microsoft.com/office/drawing/2014/main" id="{BB88B75E-5259-4ED5-0AF8-1B6B778ED506}"/>
-              </a:ext>
-            </a:extLst>
-          </p:cNvPr>
-          <p:cNvPicPr>
-            <a:picLocks noChangeAspect="1"/>
-          </p:cNvPicPr>
-          <p:nvPr/>
-        </p:nvPicPr>
-        <p:blipFill>
-          <a:blip r:embed="rId3"/>
-          <a:stretch>
-            <a:fillRect/>
-          </a:stretch>
-        </p:blipFill>
-        <p:spPr>
-          <a:xfrm rot="16200000">
-            <a:off x="7365126" y="1023193"/>
-            <a:ext cx="3894668" cy="4954800"/>
+            <a:off x="1967029" y="0"/>
+            <a:ext cx="8675833" cy="6634460"/>
           </a:xfrm>
           <a:prstGeom prst="rect">
             <a:avLst/>
@@ -7333,7 +7363,7 @@
     </p:spTree>
     <p:extLst>
       <p:ext uri="{BB962C8B-B14F-4D97-AF65-F5344CB8AC3E}">
-        <p14:creationId xmlns:p14="http://schemas.microsoft.com/office/powerpoint/2010/main" val="871441554"/>
+        <p14:creationId xmlns:p14="http://schemas.microsoft.com/office/powerpoint/2010/main" val="2171334833"/>
       </p:ext>
     </p:extLst>
   </p:cSld>
@@ -7362,10 +7392,10 @@
       </p:grpSpPr>
       <p:pic>
         <p:nvPicPr>
-          <p:cNvPr id="7" name="Picture 6">
-            <a:extLst>
-              <a:ext uri="{FF2B5EF4-FFF2-40B4-BE49-F238E27FC236}">
-                <a16:creationId xmlns:a16="http://schemas.microsoft.com/office/drawing/2014/main" id="{EDA406E9-D7EE-ADEF-0328-D66ACB1C7D80}"/>
+          <p:cNvPr id="5" name="Picture 4">
+            <a:extLst>
+              <a:ext uri="{FF2B5EF4-FFF2-40B4-BE49-F238E27FC236}">
+                <a16:creationId xmlns:a16="http://schemas.microsoft.com/office/drawing/2014/main" id="{CDD14C80-B177-3D3C-D240-20925BD3939E}"/>
               </a:ext>
             </a:extLst>
           </p:cNvPr>
@@ -7382,8 +7412,8 @@
         </p:blipFill>
         <p:spPr>
           <a:xfrm>
-            <a:off x="2137282" y="1246302"/>
-            <a:ext cx="8124825" cy="4648200"/>
+            <a:off x="1114425" y="442912"/>
+            <a:ext cx="9963150" cy="5972175"/>
           </a:xfrm>
           <a:prstGeom prst="rect">
             <a:avLst/>
@@ -7393,7 +7423,7 @@
     </p:spTree>
     <p:extLst>
       <p:ext uri="{BB962C8B-B14F-4D97-AF65-F5344CB8AC3E}">
-        <p14:creationId xmlns:p14="http://schemas.microsoft.com/office/powerpoint/2010/main" val="3859181924"/>
+        <p14:creationId xmlns:p14="http://schemas.microsoft.com/office/powerpoint/2010/main" val="2904619271"/>
       </p:ext>
     </p:extLst>
   </p:cSld>
@@ -7422,10 +7452,39 @@
       </p:grpSpPr>
       <p:pic>
         <p:nvPicPr>
-          <p:cNvPr id="5" name="Picture 4">
-            <a:extLst>
-              <a:ext uri="{FF2B5EF4-FFF2-40B4-BE49-F238E27FC236}">
-                <a16:creationId xmlns:a16="http://schemas.microsoft.com/office/drawing/2014/main" id="{33C78579-D1F6-04EA-EFED-DDC3761C729C}"/>
+          <p:cNvPr id="7" name="Picture 6">
+            <a:extLst>
+              <a:ext uri="{FF2B5EF4-FFF2-40B4-BE49-F238E27FC236}">
+                <a16:creationId xmlns:a16="http://schemas.microsoft.com/office/drawing/2014/main" id="{EDA406E9-D7EE-ADEF-0328-D66ACB1C7D80}"/>
+              </a:ext>
+            </a:extLst>
+          </p:cNvPr>
+          <p:cNvPicPr>
+            <a:picLocks noChangeAspect="1"/>
+          </p:cNvPicPr>
+          <p:nvPr/>
+        </p:nvPicPr>
+        <p:blipFill rotWithShape="1">
+          <a:blip r:embed="rId2"/>
+          <a:srcRect l="6106" r="2616"/>
+          <a:stretch/>
+        </p:blipFill>
+        <p:spPr>
+          <a:xfrm>
+            <a:off x="243939" y="1179601"/>
+            <a:ext cx="5694947" cy="3569400"/>
+          </a:xfrm>
+          <a:prstGeom prst="rect">
+            <a:avLst/>
+          </a:prstGeom>
+        </p:spPr>
+      </p:pic>
+      <p:pic>
+        <p:nvPicPr>
+          <p:cNvPr id="2" name="Picture 1">
+            <a:extLst>
+              <a:ext uri="{FF2B5EF4-FFF2-40B4-BE49-F238E27FC236}">
+                <a16:creationId xmlns:a16="http://schemas.microsoft.com/office/drawing/2014/main" id="{8C5A289C-9547-2A58-F0B8-C9838476837F}"/>
               </a:ext>
             </a:extLst>
           </p:cNvPr>
@@ -7435,15 +7494,15 @@
           <p:nvPr/>
         </p:nvPicPr>
         <p:blipFill>
-          <a:blip r:embed="rId2"/>
+          <a:blip r:embed="rId3"/>
           <a:stretch>
             <a:fillRect/>
           </a:stretch>
         </p:blipFill>
         <p:spPr>
-          <a:xfrm>
-            <a:off x="904875" y="1743075"/>
-            <a:ext cx="10382250" cy="3371850"/>
+          <a:xfrm rot="16200000">
+            <a:off x="6746931" y="-211208"/>
+            <a:ext cx="4782726" cy="6084587"/>
           </a:xfrm>
           <a:prstGeom prst="rect">
             <a:avLst/>
@@ -7453,7 +7512,7 @@
     </p:spTree>
     <p:extLst>
       <p:ext uri="{BB962C8B-B14F-4D97-AF65-F5344CB8AC3E}">
-        <p14:creationId xmlns:p14="http://schemas.microsoft.com/office/powerpoint/2010/main" val="827264353"/>
+        <p14:creationId xmlns:p14="http://schemas.microsoft.com/office/powerpoint/2010/main" val="3859181924"/>
       </p:ext>
     </p:extLst>
   </p:cSld>
